--- a/Class Content/Day 2/JavaScript Lesson 2.pptx
+++ b/Class Content/Day 2/JavaScript Lesson 2.pptx
@@ -10735,15 +10735,6 @@
               <a:buNone/>
             </a:pPr>
             <a:r>
-              <a:rPr lang="en-US" dirty="0"/>
-              <a:t>Benchmarking</a:t>
-            </a:r>
-          </a:p>
-          <a:p>
-            <a:pPr marL="0" indent="0">
-              <a:buNone/>
-            </a:pPr>
-            <a:r>
               <a:rPr lang="en-US" dirty="0" err="1"/>
               <a:t>Date.parse</a:t>
             </a:r>

--- a/Class Content/Day 2/JavaScript Lesson 2.pptx
+++ b/Class Content/Day 2/JavaScript Lesson 2.pptx
@@ -8771,6 +8771,365 @@
           </a:p>
         </p:txBody>
       </p:sp>
+      <p:grpSp>
+        <p:nvGrpSpPr>
+          <p:cNvPr id="4" name="Group 3">
+            <a:extLst>
+              <a:ext uri="{FF2B5EF4-FFF2-40B4-BE49-F238E27FC236}">
+                <a16:creationId xmlns:a16="http://schemas.microsoft.com/office/drawing/2014/main" id="{E8C269B1-C9F9-4E39-BC03-0A29F7DA41A2}"/>
+              </a:ext>
+            </a:extLst>
+          </p:cNvPr>
+          <p:cNvGrpSpPr/>
+          <p:nvPr/>
+        </p:nvGrpSpPr>
+        <p:grpSpPr>
+          <a:xfrm>
+            <a:off x="6968109" y="322454"/>
+            <a:ext cx="2109142" cy="1262606"/>
+            <a:chOff x="6761205" y="335802"/>
+            <a:chExt cx="2109142" cy="1262606"/>
+          </a:xfrm>
+        </p:grpSpPr>
+        <p:pic>
+          <p:nvPicPr>
+            <p:cNvPr id="5" name="Picture 4">
+              <a:extLst>
+                <a:ext uri="{FF2B5EF4-FFF2-40B4-BE49-F238E27FC236}">
+                  <a16:creationId xmlns:a16="http://schemas.microsoft.com/office/drawing/2014/main" id="{510E5770-4D08-42E1-962C-73A10D438890}"/>
+                </a:ext>
+              </a:extLst>
+            </p:cNvPr>
+            <p:cNvPicPr>
+              <a:picLocks noChangeAspect="1"/>
+            </p:cNvPicPr>
+            <p:nvPr/>
+          </p:nvPicPr>
+          <p:blipFill>
+            <a:blip r:embed="rId3"/>
+            <a:stretch>
+              <a:fillRect/>
+            </a:stretch>
+          </p:blipFill>
+          <p:spPr>
+            <a:xfrm>
+              <a:off x="6874673" y="335802"/>
+              <a:ext cx="460550" cy="410376"/>
+            </a:xfrm>
+            <a:prstGeom prst="rect">
+              <a:avLst/>
+            </a:prstGeom>
+          </p:spPr>
+        </p:pic>
+        <p:sp>
+          <p:nvSpPr>
+            <p:cNvPr id="6" name="Google Shape;68;p13">
+              <a:extLst>
+                <a:ext uri="{FF2B5EF4-FFF2-40B4-BE49-F238E27FC236}">
+                  <a16:creationId xmlns:a16="http://schemas.microsoft.com/office/drawing/2014/main" id="{9DFAABF0-9EF8-4ED9-9E4E-DE6018D9F7D7}"/>
+                </a:ext>
+              </a:extLst>
+            </p:cNvPr>
+            <p:cNvSpPr txBox="1">
+              <a:spLocks/>
+            </p:cNvSpPr>
+            <p:nvPr/>
+          </p:nvSpPr>
+          <p:spPr>
+            <a:xfrm>
+              <a:off x="6761205" y="733770"/>
+              <a:ext cx="2109142" cy="864638"/>
+            </a:xfrm>
+            <a:prstGeom prst="rect">
+              <a:avLst/>
+            </a:prstGeom>
+            <a:noFill/>
+            <a:ln>
+              <a:noFill/>
+            </a:ln>
+          </p:spPr>
+          <p:txBody>
+            <a:bodyPr spcFirstLastPara="1" wrap="square" lIns="91425" tIns="91425" rIns="91425" bIns="91425" anchor="t" anchorCtr="0">
+              <a:noAutofit/>
+            </a:bodyPr>
+            <a:lstStyle>
+              <a:defPPr marR="0" lvl="0" algn="l" rtl="0">
+                <a:lnSpc>
+                  <a:spcPct val="100000"/>
+                </a:lnSpc>
+                <a:spcBef>
+                  <a:spcPts val="0"/>
+                </a:spcBef>
+                <a:spcAft>
+                  <a:spcPts val="0"/>
+                </a:spcAft>
+              </a:defPPr>
+              <a:lvl1pPr marL="457200" marR="0" lvl="0" indent="-342900" algn="l" rtl="0">
+                <a:lnSpc>
+                  <a:spcPct val="100000"/>
+                </a:lnSpc>
+                <a:spcBef>
+                  <a:spcPts val="0"/>
+                </a:spcBef>
+                <a:spcAft>
+                  <a:spcPts val="0"/>
+                </a:spcAft>
+                <a:buClr>
+                  <a:schemeClr val="lt1"/>
+                </a:buClr>
+                <a:buSzPts val="1800"/>
+                <a:buFont typeface="Roboto"/>
+                <a:buNone/>
+                <a:defRPr sz="1800" b="0" i="0" u="none" strike="noStrike" cap="none">
+                  <a:solidFill>
+                    <a:schemeClr val="lt1"/>
+                  </a:solidFill>
+                  <a:latin typeface="Roboto"/>
+                  <a:ea typeface="Roboto"/>
+                  <a:cs typeface="Roboto"/>
+                  <a:sym typeface="Roboto"/>
+                </a:defRPr>
+              </a:lvl1pPr>
+              <a:lvl2pPr marL="914400" marR="0" lvl="1" indent="-317500" algn="l" rtl="0">
+                <a:lnSpc>
+                  <a:spcPct val="100000"/>
+                </a:lnSpc>
+                <a:spcBef>
+                  <a:spcPts val="0"/>
+                </a:spcBef>
+                <a:spcAft>
+                  <a:spcPts val="0"/>
+                </a:spcAft>
+                <a:buClr>
+                  <a:schemeClr val="lt1"/>
+                </a:buClr>
+                <a:buSzPts val="1800"/>
+                <a:buFont typeface="Roboto"/>
+                <a:buNone/>
+                <a:defRPr sz="1800" b="0" i="0" u="none" strike="noStrike" cap="none">
+                  <a:solidFill>
+                    <a:schemeClr val="lt1"/>
+                  </a:solidFill>
+                  <a:latin typeface="Roboto"/>
+                  <a:ea typeface="Roboto"/>
+                  <a:cs typeface="Roboto"/>
+                  <a:sym typeface="Roboto"/>
+                </a:defRPr>
+              </a:lvl2pPr>
+              <a:lvl3pPr marL="1371600" marR="0" lvl="2" indent="-317500" algn="l" rtl="0">
+                <a:lnSpc>
+                  <a:spcPct val="100000"/>
+                </a:lnSpc>
+                <a:spcBef>
+                  <a:spcPts val="0"/>
+                </a:spcBef>
+                <a:spcAft>
+                  <a:spcPts val="0"/>
+                </a:spcAft>
+                <a:buClr>
+                  <a:schemeClr val="lt1"/>
+                </a:buClr>
+                <a:buSzPts val="1800"/>
+                <a:buFont typeface="Roboto"/>
+                <a:buNone/>
+                <a:defRPr sz="1800" b="0" i="0" u="none" strike="noStrike" cap="none">
+                  <a:solidFill>
+                    <a:schemeClr val="lt1"/>
+                  </a:solidFill>
+                  <a:latin typeface="Roboto"/>
+                  <a:ea typeface="Roboto"/>
+                  <a:cs typeface="Roboto"/>
+                  <a:sym typeface="Roboto"/>
+                </a:defRPr>
+              </a:lvl3pPr>
+              <a:lvl4pPr marL="1828800" marR="0" lvl="3" indent="-317500" algn="l" rtl="0">
+                <a:lnSpc>
+                  <a:spcPct val="100000"/>
+                </a:lnSpc>
+                <a:spcBef>
+                  <a:spcPts val="0"/>
+                </a:spcBef>
+                <a:spcAft>
+                  <a:spcPts val="0"/>
+                </a:spcAft>
+                <a:buClr>
+                  <a:schemeClr val="lt1"/>
+                </a:buClr>
+                <a:buSzPts val="1800"/>
+                <a:buFont typeface="Roboto"/>
+                <a:buNone/>
+                <a:defRPr sz="1800" b="0" i="0" u="none" strike="noStrike" cap="none">
+                  <a:solidFill>
+                    <a:schemeClr val="lt1"/>
+                  </a:solidFill>
+                  <a:latin typeface="Roboto"/>
+                  <a:ea typeface="Roboto"/>
+                  <a:cs typeface="Roboto"/>
+                  <a:sym typeface="Roboto"/>
+                </a:defRPr>
+              </a:lvl4pPr>
+              <a:lvl5pPr marL="2286000" marR="0" lvl="4" indent="-317500" algn="l" rtl="0">
+                <a:lnSpc>
+                  <a:spcPct val="100000"/>
+                </a:lnSpc>
+                <a:spcBef>
+                  <a:spcPts val="0"/>
+                </a:spcBef>
+                <a:spcAft>
+                  <a:spcPts val="0"/>
+                </a:spcAft>
+                <a:buClr>
+                  <a:schemeClr val="lt1"/>
+                </a:buClr>
+                <a:buSzPts val="1800"/>
+                <a:buFont typeface="Roboto"/>
+                <a:buNone/>
+                <a:defRPr sz="1800" b="0" i="0" u="none" strike="noStrike" cap="none">
+                  <a:solidFill>
+                    <a:schemeClr val="lt1"/>
+                  </a:solidFill>
+                  <a:latin typeface="Roboto"/>
+                  <a:ea typeface="Roboto"/>
+                  <a:cs typeface="Roboto"/>
+                  <a:sym typeface="Roboto"/>
+                </a:defRPr>
+              </a:lvl5pPr>
+              <a:lvl6pPr marL="2743200" marR="0" lvl="5" indent="-317500" algn="l" rtl="0">
+                <a:lnSpc>
+                  <a:spcPct val="100000"/>
+                </a:lnSpc>
+                <a:spcBef>
+                  <a:spcPts val="0"/>
+                </a:spcBef>
+                <a:spcAft>
+                  <a:spcPts val="0"/>
+                </a:spcAft>
+                <a:buClr>
+                  <a:schemeClr val="lt1"/>
+                </a:buClr>
+                <a:buSzPts val="1800"/>
+                <a:buFont typeface="Roboto"/>
+                <a:buNone/>
+                <a:defRPr sz="1800" b="0" i="0" u="none" strike="noStrike" cap="none">
+                  <a:solidFill>
+                    <a:schemeClr val="lt1"/>
+                  </a:solidFill>
+                  <a:latin typeface="Roboto"/>
+                  <a:ea typeface="Roboto"/>
+                  <a:cs typeface="Roboto"/>
+                  <a:sym typeface="Roboto"/>
+                </a:defRPr>
+              </a:lvl6pPr>
+              <a:lvl7pPr marL="3200400" marR="0" lvl="6" indent="-317500" algn="l" rtl="0">
+                <a:lnSpc>
+                  <a:spcPct val="100000"/>
+                </a:lnSpc>
+                <a:spcBef>
+                  <a:spcPts val="0"/>
+                </a:spcBef>
+                <a:spcAft>
+                  <a:spcPts val="0"/>
+                </a:spcAft>
+                <a:buClr>
+                  <a:schemeClr val="lt1"/>
+                </a:buClr>
+                <a:buSzPts val="1800"/>
+                <a:buFont typeface="Roboto"/>
+                <a:buNone/>
+                <a:defRPr sz="1800" b="0" i="0" u="none" strike="noStrike" cap="none">
+                  <a:solidFill>
+                    <a:schemeClr val="lt1"/>
+                  </a:solidFill>
+                  <a:latin typeface="Roboto"/>
+                  <a:ea typeface="Roboto"/>
+                  <a:cs typeface="Roboto"/>
+                  <a:sym typeface="Roboto"/>
+                </a:defRPr>
+              </a:lvl7pPr>
+              <a:lvl8pPr marL="3657600" marR="0" lvl="7" indent="-317500" algn="l" rtl="0">
+                <a:lnSpc>
+                  <a:spcPct val="100000"/>
+                </a:lnSpc>
+                <a:spcBef>
+                  <a:spcPts val="0"/>
+                </a:spcBef>
+                <a:spcAft>
+                  <a:spcPts val="0"/>
+                </a:spcAft>
+                <a:buClr>
+                  <a:schemeClr val="lt1"/>
+                </a:buClr>
+                <a:buSzPts val="1800"/>
+                <a:buFont typeface="Roboto"/>
+                <a:buNone/>
+                <a:defRPr sz="1800" b="0" i="0" u="none" strike="noStrike" cap="none">
+                  <a:solidFill>
+                    <a:schemeClr val="lt1"/>
+                  </a:solidFill>
+                  <a:latin typeface="Roboto"/>
+                  <a:ea typeface="Roboto"/>
+                  <a:cs typeface="Roboto"/>
+                  <a:sym typeface="Roboto"/>
+                </a:defRPr>
+              </a:lvl8pPr>
+              <a:lvl9pPr marL="4114800" marR="0" lvl="8" indent="-317500" algn="l" rtl="0">
+                <a:lnSpc>
+                  <a:spcPct val="100000"/>
+                </a:lnSpc>
+                <a:spcBef>
+                  <a:spcPts val="0"/>
+                </a:spcBef>
+                <a:spcAft>
+                  <a:spcPts val="0"/>
+                </a:spcAft>
+                <a:buClr>
+                  <a:schemeClr val="lt1"/>
+                </a:buClr>
+                <a:buSzPts val="1800"/>
+                <a:buFont typeface="Roboto"/>
+                <a:buNone/>
+                <a:defRPr sz="1800" b="0" i="0" u="none" strike="noStrike" cap="none">
+                  <a:solidFill>
+                    <a:schemeClr val="lt1"/>
+                  </a:solidFill>
+                  <a:latin typeface="Roboto"/>
+                  <a:ea typeface="Roboto"/>
+                  <a:cs typeface="Roboto"/>
+                  <a:sym typeface="Roboto"/>
+                </a:defRPr>
+              </a:lvl9pPr>
+            </a:lstStyle>
+            <a:p>
+              <a:pPr marL="0" indent="0"/>
+              <a:r>
+                <a:rPr lang="en-US" sz="1000" dirty="0"/>
+                <a:t>Shohel Rana</a:t>
+              </a:r>
+            </a:p>
+            <a:p>
+              <a:pPr marL="0" indent="0"/>
+              <a:r>
+                <a:rPr lang="en-US" sz="1000" dirty="0"/>
+                <a:t>Lead frontend engineer</a:t>
+              </a:r>
+            </a:p>
+            <a:p>
+              <a:pPr marL="0" indent="0"/>
+              <a:r>
+                <a:rPr lang="en-US" sz="1000" dirty="0"/>
+                <a:t>Dhaka, Bangladesh</a:t>
+              </a:r>
+            </a:p>
+            <a:p>
+              <a:pPr marL="0" indent="0"/>
+              <a:r>
+                <a:rPr lang="en-US" sz="1000" dirty="0"/>
+                <a:t>Email: iamshohelrana@gmail.com</a:t>
+              </a:r>
+            </a:p>
+          </p:txBody>
+        </p:sp>
+      </p:grpSp>
     </p:spTree>
   </p:cSld>
   <p:clrMapOvr>
@@ -11212,6 +11571,36 @@
           </a:p>
         </p:txBody>
       </p:sp>
+      <p:pic>
+        <p:nvPicPr>
+          <p:cNvPr id="3" name="Picture 2">
+            <a:extLst>
+              <a:ext uri="{FF2B5EF4-FFF2-40B4-BE49-F238E27FC236}">
+                <a16:creationId xmlns:a16="http://schemas.microsoft.com/office/drawing/2014/main" id="{A0C706EC-33E8-466D-AF7D-01292287F313}"/>
+              </a:ext>
+            </a:extLst>
+          </p:cNvPr>
+          <p:cNvPicPr>
+            <a:picLocks noChangeAspect="1"/>
+          </p:cNvPicPr>
+          <p:nvPr/>
+        </p:nvPicPr>
+        <p:blipFill>
+          <a:blip r:embed="rId3"/>
+          <a:stretch>
+            <a:fillRect/>
+          </a:stretch>
+        </p:blipFill>
+        <p:spPr>
+          <a:xfrm>
+            <a:off x="3143250" y="2356424"/>
+            <a:ext cx="2857500" cy="2152650"/>
+          </a:xfrm>
+          <a:prstGeom prst="rect">
+            <a:avLst/>
+          </a:prstGeom>
+        </p:spPr>
+      </p:pic>
     </p:spTree>
   </p:cSld>
   <p:clrMapOvr>
